--- a/2020s_w6998/lecs/presentation_template.pptx
+++ b/2020s_w6998/lecs/presentation_template.pptx
@@ -267,7 +267,7 @@
           <a:p>
             <a:fld id="{D077B7F3-A623-604C-9FA0-35347E68EB54}" type="datetimeFigureOut">
               <a:rPr lang="en-US" smtClean="0"/>
-              <a:t>2/3/20</a:t>
+              <a:t>2/13/20</a:t>
             </a:fld>
             <a:endParaRPr lang="en-US"/>
           </a:p>
@@ -465,7 +465,7 @@
           <a:p>
             <a:fld id="{D077B7F3-A623-604C-9FA0-35347E68EB54}" type="datetimeFigureOut">
               <a:rPr lang="en-US" smtClean="0"/>
-              <a:t>2/3/20</a:t>
+              <a:t>2/13/20</a:t>
             </a:fld>
             <a:endParaRPr lang="en-US"/>
           </a:p>
@@ -673,7 +673,7 @@
           <a:p>
             <a:fld id="{D077B7F3-A623-604C-9FA0-35347E68EB54}" type="datetimeFigureOut">
               <a:rPr lang="en-US" smtClean="0"/>
-              <a:t>2/3/20</a:t>
+              <a:t>2/13/20</a:t>
             </a:fld>
             <a:endParaRPr lang="en-US"/>
           </a:p>
@@ -871,7 +871,7 @@
           <a:p>
             <a:fld id="{D077B7F3-A623-604C-9FA0-35347E68EB54}" type="datetimeFigureOut">
               <a:rPr lang="en-US" smtClean="0"/>
-              <a:t>2/3/20</a:t>
+              <a:t>2/13/20</a:t>
             </a:fld>
             <a:endParaRPr lang="en-US"/>
           </a:p>
@@ -1146,7 +1146,7 @@
           <a:p>
             <a:fld id="{D077B7F3-A623-604C-9FA0-35347E68EB54}" type="datetimeFigureOut">
               <a:rPr lang="en-US" smtClean="0"/>
-              <a:t>2/3/20</a:t>
+              <a:t>2/13/20</a:t>
             </a:fld>
             <a:endParaRPr lang="en-US"/>
           </a:p>
@@ -1411,7 +1411,7 @@
           <a:p>
             <a:fld id="{D077B7F3-A623-604C-9FA0-35347E68EB54}" type="datetimeFigureOut">
               <a:rPr lang="en-US" smtClean="0"/>
-              <a:t>2/3/20</a:t>
+              <a:t>2/13/20</a:t>
             </a:fld>
             <a:endParaRPr lang="en-US"/>
           </a:p>
@@ -1823,7 +1823,7 @@
           <a:p>
             <a:fld id="{D077B7F3-A623-604C-9FA0-35347E68EB54}" type="datetimeFigureOut">
               <a:rPr lang="en-US" smtClean="0"/>
-              <a:t>2/3/20</a:t>
+              <a:t>2/13/20</a:t>
             </a:fld>
             <a:endParaRPr lang="en-US"/>
           </a:p>
@@ -1964,7 +1964,7 @@
           <a:p>
             <a:fld id="{D077B7F3-A623-604C-9FA0-35347E68EB54}" type="datetimeFigureOut">
               <a:rPr lang="en-US" smtClean="0"/>
-              <a:t>2/3/20</a:t>
+              <a:t>2/13/20</a:t>
             </a:fld>
             <a:endParaRPr lang="en-US"/>
           </a:p>
@@ -2077,7 +2077,7 @@
           <a:p>
             <a:fld id="{D077B7F3-A623-604C-9FA0-35347E68EB54}" type="datetimeFigureOut">
               <a:rPr lang="en-US" smtClean="0"/>
-              <a:t>2/3/20</a:t>
+              <a:t>2/13/20</a:t>
             </a:fld>
             <a:endParaRPr lang="en-US"/>
           </a:p>
@@ -2388,7 +2388,7 @@
           <a:p>
             <a:fld id="{D077B7F3-A623-604C-9FA0-35347E68EB54}" type="datetimeFigureOut">
               <a:rPr lang="en-US" smtClean="0"/>
-              <a:t>2/3/20</a:t>
+              <a:t>2/13/20</a:t>
             </a:fld>
             <a:endParaRPr lang="en-US"/>
           </a:p>
@@ -2679,7 +2679,7 @@
           <a:p>
             <a:fld id="{D077B7F3-A623-604C-9FA0-35347E68EB54}" type="datetimeFigureOut">
               <a:rPr lang="en-US" smtClean="0"/>
-              <a:t>2/3/20</a:t>
+              <a:t>2/13/20</a:t>
             </a:fld>
             <a:endParaRPr lang="en-US"/>
           </a:p>
@@ -2923,7 +2923,7 @@
             <a:fld id="{D077B7F3-A623-604C-9FA0-35347E68EB54}" type="datetimeFigureOut">
               <a:rPr lang="en-US" smtClean="0"/>
               <a:pPr/>
-              <a:t>2/3/20</a:t>
+              <a:t>2/13/20</a:t>
             </a:fld>
             <a:endParaRPr lang="en-US"/>
           </a:p>
@@ -3471,9 +3471,14 @@
         </p:nvSpPr>
         <p:spPr/>
         <p:txBody>
-          <a:bodyPr/>
-          <a:lstStyle/>
-          <a:p>
+          <a:bodyPr>
+            <a:normAutofit lnSpcReduction="10000"/>
+          </a:bodyPr>
+          <a:lstStyle/>
+          <a:p>
+            <a:pPr marL="0" indent="0">
+              <a:buNone/>
+            </a:pPr>
             <a:r>
               <a:rPr kumimoji="1" lang="en-US" altLang="zh-CN" dirty="0"/>
               <a:t>Create your </a:t>
@@ -3488,29 +3493,51 @@
             </a:r>
           </a:p>
           <a:p>
-            <a:pPr lvl="1"/>
             <a:r>
               <a:rPr kumimoji="1" lang="en-US" altLang="zh-CN" dirty="0"/>
               <a:t>Look at other presentations as inspiration</a:t>
             </a:r>
           </a:p>
           <a:p>
-            <a:pPr lvl="1"/>
             <a:r>
               <a:rPr kumimoji="1" lang="en-US" altLang="zh-CN" dirty="0"/>
               <a:t>Can be slides, white board, a mix of both</a:t>
             </a:r>
           </a:p>
           <a:p>
+            <a:pPr marL="0" indent="0">
+              <a:buNone/>
+            </a:pPr>
             <a:r>
               <a:rPr kumimoji="1" lang="en-US" altLang="zh-CN" dirty="0"/>
               <a:t>Provide pictures, examples, and intuition!</a:t>
             </a:r>
           </a:p>
           <a:p>
+            <a:pPr marL="0" indent="0">
+              <a:buNone/>
+            </a:pPr>
             <a:r>
               <a:rPr kumimoji="1" lang="en-US" altLang="zh-CN" dirty="0"/>
               <a:t>Share your opinions, questions, confusions, throughout the presentation</a:t>
+            </a:r>
+          </a:p>
+          <a:p>
+            <a:endParaRPr kumimoji="1" lang="en-US" altLang="zh-CN" dirty="0"/>
+          </a:p>
+          <a:p>
+            <a:pPr marL="0" indent="0">
+              <a:buNone/>
+            </a:pPr>
+            <a:r>
+              <a:rPr kumimoji="1" lang="en-US" altLang="zh-CN" dirty="0"/>
+              <a:t>Examples, Examples, Examples!!!   </a:t>
+            </a:r>
+          </a:p>
+          <a:p>
+            <a:r>
+              <a:rPr kumimoji="1" lang="en-US" altLang="zh-CN" dirty="0"/>
+              <a:t>Use examples to make your points.</a:t>
             </a:r>
           </a:p>
         </p:txBody>
@@ -3611,6 +3638,18 @@
               <a:t>Why do YOU think it’s important?</a:t>
             </a:r>
           </a:p>
+          <a:p>
+            <a:endParaRPr lang="en-US" dirty="0"/>
+          </a:p>
+          <a:p>
+            <a:endParaRPr lang="en-US" dirty="0"/>
+          </a:p>
+          <a:p>
+            <a:r>
+              <a:rPr lang="en-US" dirty="0"/>
+              <a:t>EXAMPLES of import things that paper helps with</a:t>
+            </a:r>
+          </a:p>
         </p:txBody>
       </p:sp>
     </p:spTree>
@@ -3801,6 +3840,9 @@
           <a:p>
             <a:endParaRPr lang="en-US" dirty="0"/>
           </a:p>
+          <a:p>
+            <a:endParaRPr lang="en-US" dirty="0"/>
+          </a:p>
         </p:txBody>
       </p:sp>
     </p:spTree>
@@ -3888,10 +3930,46 @@
             </a:r>
           </a:p>
           <a:p>
+            <a:endParaRPr lang="en-US" dirty="0"/>
+          </a:p>
+          <a:p>
             <a:r>
               <a:rPr lang="en-US" dirty="0"/>
-              <a:t>Walk through an illustrative example that will help us understand the key ideas</a:t>
-            </a:r>
+              <a:t>SIMPLE EXAMPLE to lead us through the key ideas</a:t>
+            </a:r>
+          </a:p>
+          <a:p>
+            <a:pPr lvl="1"/>
+            <a:r>
+              <a:rPr lang="en-US" dirty="0"/>
+              <a:t>If it’s a language, walk us through the main constructs to express something simple</a:t>
+            </a:r>
+          </a:p>
+          <a:p>
+            <a:pPr lvl="1"/>
+            <a:r>
+              <a:rPr lang="en-US" dirty="0"/>
+              <a:t>If it’s an optimization, walk through an example of how the optimization works</a:t>
+            </a:r>
+          </a:p>
+          <a:p>
+            <a:pPr lvl="1"/>
+            <a:r>
+              <a:rPr lang="en-US" dirty="0" err="1"/>
+              <a:t>Etc</a:t>
+            </a:r>
+            <a:r>
+              <a:rPr lang="en-US" dirty="0"/>
+              <a:t> </a:t>
+            </a:r>
+            <a:r>
+              <a:rPr lang="en-US" dirty="0" err="1"/>
+              <a:t>etc</a:t>
+            </a:r>
+            <a:endParaRPr lang="en-US" dirty="0"/>
+          </a:p>
+          <a:p>
+            <a:endParaRPr lang="en-US" dirty="0"/>
           </a:p>
           <a:p>
             <a:endParaRPr lang="en-US" dirty="0"/>
@@ -3991,6 +4069,18 @@
               <a:t>By the end of this section, we should have a good intuition of how the contributions fit together to solve the main problem</a:t>
             </a:r>
           </a:p>
+          <a:p>
+            <a:endParaRPr lang="en-US" dirty="0"/>
+          </a:p>
+          <a:p>
+            <a:endParaRPr lang="en-US" dirty="0"/>
+          </a:p>
+          <a:p>
+            <a:r>
+              <a:rPr lang="en-US" dirty="0"/>
+              <a:t>EXAMPLE!!</a:t>
+            </a:r>
+          </a:p>
         </p:txBody>
       </p:sp>
     </p:spTree>
@@ -4089,6 +4179,15 @@
               <a:t>What’s the main 1 or 2 results that provide evidence of their success (or non-success)?</a:t>
             </a:r>
           </a:p>
+          <a:p>
+            <a:endParaRPr lang="en-US" dirty="0"/>
+          </a:p>
+          <a:p>
+            <a:r>
+              <a:rPr lang="en-US" dirty="0"/>
+              <a:t>Refer to examples!</a:t>
+            </a:r>
+          </a:p>
         </p:txBody>
       </p:sp>
     </p:spTree>
@@ -4172,7 +4271,7 @@
           <a:p>
             <a:r>
               <a:rPr lang="en-US" dirty="0"/>
-              <a:t>What could be follow up works?</a:t>
+              <a:t>What could be follow up works?  EXAMPLE</a:t>
             </a:r>
           </a:p>
           <a:p>
@@ -4184,11 +4283,7 @@
           <a:p>
             <a:r>
               <a:rPr lang="en-US" dirty="0"/>
-              <a:t>If the paper is not recent, what ended up being follow up works (from same or </a:t>
-            </a:r>
-            <a:r>
-              <a:rPr lang="en-US"/>
-              <a:t>different groups)?</a:t>
+              <a:t>If the paper is not recent, what ended up being follow up works (from same or different groups)?</a:t>
             </a:r>
           </a:p>
         </p:txBody>
